--- a/hw/hw-5/graph.pptx
+++ b/hw/hw-5/graph.pptx
@@ -3326,8 +3326,8 @@
           <a:chExt cx="0" cy="0"/>
         </a:xfrm>
       </p:grpSpPr>
-      <mc:AlternateContent xmlns:mc="http://schemas.openxmlformats.org/markup-compatibility/2006">
-        <mc:Choice xmlns:a14="http://schemas.microsoft.com/office/drawing/2010/main" Requires="a14">
+      <mc:AlternateContent xmlns:mc="http://schemas.openxmlformats.org/markup-compatibility/2006" xmlns:a14="http://schemas.microsoft.com/office/drawing/2010/main">
+        <mc:Choice Requires="a14">
           <p:sp>
             <p:nvSpPr>
               <p:cNvPr id="4" name="矩形 3">
@@ -3533,7 +3533,7 @@
             </p:txBody>
           </p:sp>
         </mc:Choice>
-        <mc:Fallback>
+        <mc:Fallback xmlns="">
           <p:sp>
             <p:nvSpPr>
               <p:cNvPr id="4" name="矩形 3">
@@ -3605,7 +3605,7 @@
               <a:prstGeom prst="rect">
                 <a:avLst/>
               </a:prstGeom>
-              <a:ln w="28575">
+              <a:ln w="50800" cmpd="dbl">
                 <a:solidFill>
                   <a:srgbClr val="FF0000"/>
                 </a:solidFill>
@@ -3793,10 +3793,10 @@
               <a:blipFill>
                 <a:blip r:embed="rId3"/>
                 <a:stretch>
-                  <a:fillRect l="-3913" b="-337"/>
+                  <a:fillRect l="-3004"/>
                 </a:stretch>
               </a:blipFill>
-              <a:ln w="28575">
+              <a:ln w="50800" cmpd="dbl">
                 <a:solidFill>
                   <a:srgbClr val="FF0000"/>
                 </a:solidFill>
@@ -3839,7 +3839,7 @@
               <a:prstGeom prst="rect">
                 <a:avLst/>
               </a:prstGeom>
-              <a:ln w="28575">
+              <a:ln w="50800" cmpd="dbl">
                 <a:solidFill>
                   <a:srgbClr val="FF0000"/>
                 </a:solidFill>
@@ -3958,10 +3958,10 @@
               <a:blipFill>
                 <a:blip r:embed="rId4"/>
                 <a:stretch>
-                  <a:fillRect l="-3448" b="-3571"/>
+                  <a:fillRect l="-2553" b="-2797"/>
                 </a:stretch>
               </a:blipFill>
-              <a:ln w="28575">
+              <a:ln w="50800" cmpd="dbl">
                 <a:solidFill>
                   <a:srgbClr val="FF0000"/>
                 </a:solidFill>
@@ -4004,7 +4004,7 @@
               <a:prstGeom prst="rect">
                 <a:avLst/>
               </a:prstGeom>
-              <a:ln w="28575">
+              <a:ln w="50800" cmpd="dbl">
                 <a:solidFill>
                   <a:srgbClr val="FF0000"/>
                 </a:solidFill>
@@ -4123,10 +4123,10 @@
               <a:blipFill>
                 <a:blip r:embed="rId5"/>
                 <a:stretch>
-                  <a:fillRect l="-3913" b="-10484"/>
+                  <a:fillRect l="-3004" b="-9449"/>
                 </a:stretch>
               </a:blipFill>
-              <a:ln w="28575">
+              <a:ln w="50800" cmpd="dbl">
                 <a:solidFill>
                   <a:srgbClr val="FF0000"/>
                 </a:solidFill>
@@ -4147,8 +4147,8 @@
           </p:sp>
         </mc:Fallback>
       </mc:AlternateContent>
-      <mc:AlternateContent xmlns:mc="http://schemas.openxmlformats.org/markup-compatibility/2006">
-        <mc:Choice xmlns:a14="http://schemas.microsoft.com/office/drawing/2010/main" Requires="a14">
+      <mc:AlternateContent xmlns:mc="http://schemas.openxmlformats.org/markup-compatibility/2006" xmlns:a14="http://schemas.microsoft.com/office/drawing/2010/main">
+        <mc:Choice Requires="a14">
           <p:sp>
             <p:nvSpPr>
               <p:cNvPr id="10" name="矩形 9">
@@ -4331,7 +4331,7 @@
             </p:txBody>
           </p:sp>
         </mc:Choice>
-        <mc:Fallback>
+        <mc:Fallback xmlns="">
           <p:sp>
             <p:nvSpPr>
               <p:cNvPr id="10" name="矩形 9">
@@ -4403,7 +4403,7 @@
               <a:prstGeom prst="rect">
                 <a:avLst/>
               </a:prstGeom>
-              <a:ln w="28575">
+              <a:ln w="50800" cmpd="dbl">
                 <a:solidFill>
                   <a:srgbClr val="FF0000"/>
                 </a:solidFill>
@@ -4522,10 +4522,10 @@
               <a:blipFill>
                 <a:blip r:embed="rId7"/>
                 <a:stretch>
-                  <a:fillRect l="-3463" b="-9524"/>
+                  <a:fillRect l="-2564" b="-8527"/>
                 </a:stretch>
               </a:blipFill>
-              <a:ln w="28575">
+              <a:ln w="50800" cmpd="dbl">
                 <a:solidFill>
                   <a:srgbClr val="FF0000"/>
                 </a:solidFill>
@@ -4546,8 +4546,8 @@
           </p:sp>
         </mc:Fallback>
       </mc:AlternateContent>
-      <mc:AlternateContent xmlns:mc="http://schemas.openxmlformats.org/markup-compatibility/2006">
-        <mc:Choice xmlns:a14="http://schemas.microsoft.com/office/drawing/2010/main" Requires="a14">
+      <mc:AlternateContent xmlns:mc="http://schemas.openxmlformats.org/markup-compatibility/2006" xmlns:a14="http://schemas.microsoft.com/office/drawing/2010/main">
+        <mc:Choice Requires="a14">
           <p:sp>
             <p:nvSpPr>
               <p:cNvPr id="12" name="矩形 11">
@@ -4661,7 +4661,7 @@
             </p:txBody>
           </p:sp>
         </mc:Choice>
-        <mc:Fallback>
+        <mc:Fallback xmlns="">
           <p:sp>
             <p:nvSpPr>
               <p:cNvPr id="12" name="矩形 11">
@@ -4733,7 +4733,7 @@
               <a:prstGeom prst="rect">
                 <a:avLst/>
               </a:prstGeom>
-              <a:ln w="28575">
+              <a:ln w="50800" cmpd="dbl">
                 <a:solidFill>
                   <a:srgbClr val="FF0000"/>
                 </a:solidFill>
@@ -4852,10 +4852,10 @@
               <a:blipFill>
                 <a:blip r:embed="rId9"/>
                 <a:stretch>
-                  <a:fillRect l="-3913" b="-11475"/>
+                  <a:fillRect l="-3004" b="-10400"/>
                 </a:stretch>
               </a:blipFill>
-              <a:ln w="28575">
+              <a:ln w="50800" cmpd="dbl">
                 <a:solidFill>
                   <a:srgbClr val="FF0000"/>
                 </a:solidFill>
@@ -5510,8 +5510,8 @@
           </a:p>
         </p:txBody>
       </p:sp>
-      <mc:AlternateContent xmlns:mc="http://schemas.openxmlformats.org/markup-compatibility/2006">
-        <mc:Choice xmlns:a14="http://schemas.microsoft.com/office/drawing/2010/main" Requires="a14">
+      <mc:AlternateContent xmlns:mc="http://schemas.openxmlformats.org/markup-compatibility/2006" xmlns:a14="http://schemas.microsoft.com/office/drawing/2010/main">
+        <mc:Choice Requires="a14">
           <p:sp>
             <p:nvSpPr>
               <p:cNvPr id="36" name="矩形 35">
@@ -5694,7 +5694,7 @@
             </p:txBody>
           </p:sp>
         </mc:Choice>
-        <mc:Fallback>
+        <mc:Fallback xmlns="">
           <p:sp>
             <p:nvSpPr>
               <p:cNvPr id="36" name="矩形 35">
@@ -5744,8 +5744,8 @@
           </p:sp>
         </mc:Fallback>
       </mc:AlternateContent>
-      <mc:AlternateContent xmlns:mc="http://schemas.openxmlformats.org/markup-compatibility/2006">
-        <mc:Choice xmlns:a14="http://schemas.microsoft.com/office/drawing/2010/main" Requires="a14">
+      <mc:AlternateContent xmlns:mc="http://schemas.openxmlformats.org/markup-compatibility/2006" xmlns:a14="http://schemas.microsoft.com/office/drawing/2010/main">
+        <mc:Choice Requires="a14">
           <p:sp>
             <p:nvSpPr>
               <p:cNvPr id="42" name="矩形 41">
@@ -5859,7 +5859,7 @@
             </p:txBody>
           </p:sp>
         </mc:Choice>
-        <mc:Fallback>
+        <mc:Fallback xmlns="">
           <p:sp>
             <p:nvSpPr>
               <p:cNvPr id="42" name="矩形 41">
@@ -5931,7 +5931,7 @@
               <a:prstGeom prst="rect">
                 <a:avLst/>
               </a:prstGeom>
-              <a:ln w="28575">
+              <a:ln w="50800" cmpd="dbl">
                 <a:solidFill>
                   <a:srgbClr val="FF0000"/>
                 </a:solidFill>
@@ -6057,10 +6057,10 @@
               <a:blipFill>
                 <a:blip r:embed="rId12"/>
                 <a:stretch>
-                  <a:fillRect l="-4286" b="-11475"/>
+                  <a:fillRect l="-3286" b="-10400"/>
                 </a:stretch>
               </a:blipFill>
-              <a:ln w="28575">
+              <a:ln w="50800" cmpd="dbl">
                 <a:solidFill>
                   <a:srgbClr val="FF0000"/>
                 </a:solidFill>
@@ -6103,7 +6103,7 @@
               <a:prstGeom prst="rect">
                 <a:avLst/>
               </a:prstGeom>
-              <a:ln w="28575">
+              <a:ln w="50800" cmpd="dbl">
                 <a:solidFill>
                   <a:srgbClr val="FF0000"/>
                 </a:solidFill>
@@ -6222,10 +6222,10 @@
               <a:blipFill>
                 <a:blip r:embed="rId13"/>
                 <a:stretch>
-                  <a:fillRect l="-3791" b="-11475"/>
+                  <a:fillRect l="-2804" b="-10400"/>
                 </a:stretch>
               </a:blipFill>
-              <a:ln w="28575">
+              <a:ln w="50800" cmpd="dbl">
                 <a:solidFill>
                   <a:srgbClr val="FF0000"/>
                 </a:solidFill>
